--- a/Use-Case-Diagram.pptx
+++ b/Use-Case-Diagram.pptx
@@ -3517,7 +3517,7 @@
         </p:nvSpPr>
         <p:spPr>
           <a:xfrm>
-            <a:off x="5463853" y="2375210"/>
+            <a:off x="5389015" y="957797"/>
             <a:ext cx="1276436" cy="681426"/>
           </a:xfrm>
           <a:prstGeom prst="ellipse">
@@ -3574,7 +3574,7 @@
         </p:blipFill>
         <p:spPr>
           <a:xfrm>
-            <a:off x="5463853" y="5378172"/>
+            <a:off x="88965" y="870921"/>
             <a:ext cx="1276436" cy="768302"/>
           </a:xfrm>
           <a:prstGeom prst="rect">
@@ -3604,7 +3604,7 @@
         </p:blipFill>
         <p:spPr>
           <a:xfrm>
-            <a:off x="5463853" y="3368618"/>
+            <a:off x="5376873" y="1749944"/>
             <a:ext cx="1288578" cy="790787"/>
           </a:xfrm>
           <a:prstGeom prst="rect">
@@ -3634,7 +3634,7 @@
         </p:blipFill>
         <p:spPr>
           <a:xfrm>
-            <a:off x="5451711" y="4355659"/>
+            <a:off x="5363060" y="2605863"/>
             <a:ext cx="1300720" cy="790787"/>
           </a:xfrm>
           <a:prstGeom prst="rect">
@@ -3764,7 +3764,7 @@
         </p:nvSpPr>
         <p:spPr>
           <a:xfrm>
-            <a:off x="5578458" y="2531257"/>
+            <a:off x="5497550" y="1118609"/>
             <a:ext cx="1059367" cy="369332"/>
           </a:xfrm>
           <a:prstGeom prst="rect">
@@ -3800,7 +3800,7 @@
         </p:nvSpPr>
         <p:spPr>
           <a:xfrm>
-            <a:off x="5451711" y="3586780"/>
+            <a:off x="5416763" y="1971633"/>
             <a:ext cx="1288578" cy="369332"/>
           </a:xfrm>
           <a:prstGeom prst="rect">
@@ -3836,7 +3836,7 @@
         </p:nvSpPr>
         <p:spPr>
           <a:xfrm>
-            <a:off x="5578458" y="4584770"/>
+            <a:off x="5497550" y="2820078"/>
             <a:ext cx="1059367" cy="369332"/>
           </a:xfrm>
           <a:prstGeom prst="rect">
@@ -3880,7 +3880,7 @@
         </p:blipFill>
         <p:spPr>
           <a:xfrm>
-            <a:off x="9321184" y="5355687"/>
+            <a:off x="8109295" y="5355687"/>
             <a:ext cx="1288578" cy="790787"/>
           </a:xfrm>
           <a:prstGeom prst="rect">
@@ -3902,7 +3902,7 @@
         </p:nvSpPr>
         <p:spPr>
           <a:xfrm>
-            <a:off x="9435789" y="5439157"/>
+            <a:off x="8191537" y="5378172"/>
             <a:ext cx="1059367" cy="646331"/>
           </a:xfrm>
           <a:prstGeom prst="rect">
@@ -3990,9 +3990,10 @@
           <a:p>
             <a:pPr algn="ctr"/>
             <a:r>
-              <a:rPr lang="hr-BA" dirty="0"/>
-              <a:t>Stranica</a:t>
-            </a:r>
+              <a:rPr lang="hr-BA" dirty="0" err="1"/>
+              <a:t>HouseHub</a:t>
+            </a:r>
+            <a:endParaRPr lang="hr-BA" dirty="0"/>
           </a:p>
         </p:txBody>
       </p:sp>
@@ -4046,7 +4047,7 @@
         </p:nvSpPr>
         <p:spPr>
           <a:xfrm>
-            <a:off x="5593387" y="5577656"/>
+            <a:off x="-110999" y="403799"/>
             <a:ext cx="1059367" cy="369332"/>
           </a:xfrm>
           <a:prstGeom prst="rect">
@@ -4084,9 +4085,9 @@
           <p:nvPr/>
         </p:nvCxnSpPr>
         <p:spPr>
-          <a:xfrm>
-            <a:off x="2835813" y="2670717"/>
-            <a:ext cx="2628040" cy="45206"/>
+          <a:xfrm flipV="1">
+            <a:off x="2835813" y="1298510"/>
+            <a:ext cx="2553202" cy="1372207"/>
           </a:xfrm>
           <a:prstGeom prst="line">
             <a:avLst/>
@@ -4117,15 +4118,16 @@
             </a:extLst>
           </p:cNvPr>
           <p:cNvCxnSpPr>
+            <a:cxnSpLocks/>
             <a:stCxn id="5" idx="3"/>
-            <a:endCxn id="20" idx="1"/>
+            <a:endCxn id="13" idx="1"/>
           </p:cNvCxnSpPr>
           <p:nvPr/>
         </p:nvCxnSpPr>
         <p:spPr>
-          <a:xfrm>
-            <a:off x="2835813" y="2670717"/>
-            <a:ext cx="2615898" cy="1100729"/>
+          <a:xfrm flipV="1">
+            <a:off x="2835813" y="2145338"/>
+            <a:ext cx="2541060" cy="525379"/>
           </a:xfrm>
           <a:prstGeom prst="line">
             <a:avLst/>
@@ -4168,8 +4170,8 @@
         </p:nvCxnSpPr>
         <p:spPr>
           <a:xfrm flipV="1">
-            <a:off x="2832095" y="2715923"/>
-            <a:ext cx="2631758" cy="1575920"/>
+            <a:off x="2832095" y="1298510"/>
+            <a:ext cx="2556920" cy="2993333"/>
           </a:xfrm>
           <a:prstGeom prst="line">
             <a:avLst/>
@@ -4211,9 +4213,9 @@
           <p:nvPr/>
         </p:nvCxnSpPr>
         <p:spPr>
-          <a:xfrm>
-            <a:off x="2832095" y="4291843"/>
-            <a:ext cx="2619616" cy="459210"/>
+          <a:xfrm flipV="1">
+            <a:off x="2832095" y="3001257"/>
+            <a:ext cx="2530965" cy="1290586"/>
           </a:xfrm>
           <a:prstGeom prst="line">
             <a:avLst/>
@@ -4252,7 +4254,7 @@
         <p:spPr>
           <a:xfrm>
             <a:off x="2835813" y="2670717"/>
-            <a:ext cx="2615898" cy="2080336"/>
+            <a:ext cx="2527247" cy="330540"/>
           </a:xfrm>
           <a:prstGeom prst="line">
             <a:avLst/>
@@ -4290,8 +4292,8 @@
         </p:nvCxnSpPr>
         <p:spPr>
           <a:xfrm>
-            <a:off x="6740289" y="2715923"/>
-            <a:ext cx="2580895" cy="3035158"/>
+            <a:off x="6665451" y="1298510"/>
+            <a:ext cx="1443844" cy="4452571"/>
           </a:xfrm>
           <a:prstGeom prst="line">
             <a:avLst/>
@@ -4322,15 +4324,16 @@
             </a:extLst>
           </p:cNvPr>
           <p:cNvCxnSpPr>
-            <a:stCxn id="20" idx="3"/>
+            <a:cxnSpLocks/>
+            <a:stCxn id="13" idx="3"/>
             <a:endCxn id="23" idx="1"/>
           </p:cNvCxnSpPr>
           <p:nvPr/>
         </p:nvCxnSpPr>
         <p:spPr>
           <a:xfrm>
-            <a:off x="6740289" y="3771446"/>
-            <a:ext cx="2580895" cy="1979635"/>
+            <a:off x="6665451" y="2145338"/>
+            <a:ext cx="1443844" cy="3605743"/>
           </a:xfrm>
           <a:prstGeom prst="line">
             <a:avLst/>
@@ -4368,8 +4371,8 @@
         </p:nvCxnSpPr>
         <p:spPr>
           <a:xfrm>
-            <a:off x="6752431" y="4751053"/>
-            <a:ext cx="2568753" cy="1000028"/>
+            <a:off x="6663780" y="3001257"/>
+            <a:ext cx="1445515" cy="2749824"/>
           </a:xfrm>
           <a:prstGeom prst="line">
             <a:avLst/>
@@ -4406,9 +4409,555 @@
           <p:nvPr/>
         </p:nvCxnSpPr>
         <p:spPr>
+          <a:xfrm flipH="1">
+            <a:off x="8721221" y="3886424"/>
+            <a:ext cx="1244252" cy="1491748"/>
+          </a:xfrm>
+          <a:prstGeom prst="line">
+            <a:avLst/>
+          </a:prstGeom>
+        </p:spPr>
+        <p:style>
+          <a:lnRef idx="1">
+            <a:schemeClr val="dk1"/>
+          </a:lnRef>
+          <a:fillRef idx="0">
+            <a:schemeClr val="dk1"/>
+          </a:fillRef>
+          <a:effectRef idx="0">
+            <a:schemeClr val="dk1"/>
+          </a:effectRef>
+          <a:fontRef idx="minor">
+            <a:schemeClr val="tx1"/>
+          </a:fontRef>
+        </p:style>
+      </p:cxnSp>
+      <p:pic>
+        <p:nvPicPr>
+          <p:cNvPr id="38" name="Picture 37">
+            <a:extLst>
+              <a:ext uri="{FF2B5EF4-FFF2-40B4-BE49-F238E27FC236}">
+                <a16:creationId xmlns:a16="http://schemas.microsoft.com/office/drawing/2014/main" id="{372507AF-8113-0DD3-5F4E-C1FB3B16BC32}"/>
+              </a:ext>
+            </a:extLst>
+          </p:cNvPr>
+          <p:cNvPicPr>
+            <a:picLocks noChangeAspect="1"/>
+          </p:cNvPicPr>
+          <p:nvPr/>
+        </p:nvPicPr>
+        <p:blipFill>
+          <a:blip r:embed="rId4"/>
+          <a:stretch>
+            <a:fillRect/>
+          </a:stretch>
+        </p:blipFill>
+        <p:spPr>
+          <a:xfrm>
+            <a:off x="10361001" y="5378172"/>
+            <a:ext cx="1467442" cy="768302"/>
+          </a:xfrm>
+          <a:prstGeom prst="rect">
+            <a:avLst/>
+          </a:prstGeom>
+        </p:spPr>
+      </p:pic>
+      <p:sp>
+        <p:nvSpPr>
+          <p:cNvPr id="39" name="TextBox 38">
+            <a:extLst>
+              <a:ext uri="{FF2B5EF4-FFF2-40B4-BE49-F238E27FC236}">
+                <a16:creationId xmlns:a16="http://schemas.microsoft.com/office/drawing/2014/main" id="{E6BAA48C-C9D0-2DEF-3DD3-953C742610D1}"/>
+              </a:ext>
+            </a:extLst>
+          </p:cNvPr>
+          <p:cNvSpPr txBox="1"/>
+          <p:nvPr/>
+        </p:nvSpPr>
+        <p:spPr>
+          <a:xfrm>
+            <a:off x="10265498" y="5577656"/>
+            <a:ext cx="1658448" cy="369332"/>
+          </a:xfrm>
+          <a:prstGeom prst="rect">
+            <a:avLst/>
+          </a:prstGeom>
+          <a:noFill/>
+        </p:spPr>
+        <p:txBody>
+          <a:bodyPr wrap="square" rtlCol="0">
+            <a:spAutoFit/>
+          </a:bodyPr>
+          <a:lstStyle/>
+          <a:p>
+            <a:pPr algn="ctr"/>
+            <a:r>
+              <a:rPr lang="hr-BA" dirty="0"/>
+              <a:t>Autentifikacija</a:t>
+            </a:r>
+          </a:p>
+        </p:txBody>
+      </p:sp>
+      <p:cxnSp>
+        <p:nvCxnSpPr>
+          <p:cNvPr id="50" name="Straight Connector 49">
+            <a:extLst>
+              <a:ext uri="{FF2B5EF4-FFF2-40B4-BE49-F238E27FC236}">
+                <a16:creationId xmlns:a16="http://schemas.microsoft.com/office/drawing/2014/main" id="{C82981DE-038A-690B-591D-B9322124E03E}"/>
+              </a:ext>
+            </a:extLst>
+          </p:cNvPr>
+          <p:cNvCxnSpPr>
+            <a:stCxn id="7" idx="2"/>
+            <a:endCxn id="38" idx="0"/>
+          </p:cNvCxnSpPr>
+          <p:nvPr/>
+        </p:nvCxnSpPr>
+        <p:spPr>
           <a:xfrm>
             <a:off x="9965473" y="3886424"/>
-            <a:ext cx="0" cy="1552733"/>
+            <a:ext cx="1129249" cy="1491748"/>
+          </a:xfrm>
+          <a:prstGeom prst="line">
+            <a:avLst/>
+          </a:prstGeom>
+        </p:spPr>
+        <p:style>
+          <a:lnRef idx="1">
+            <a:schemeClr val="dk1"/>
+          </a:lnRef>
+          <a:fillRef idx="0">
+            <a:schemeClr val="dk1"/>
+          </a:fillRef>
+          <a:effectRef idx="0">
+            <a:schemeClr val="dk1"/>
+          </a:effectRef>
+          <a:fontRef idx="minor">
+            <a:schemeClr val="tx1"/>
+          </a:fontRef>
+        </p:style>
+      </p:cxnSp>
+      <p:pic>
+        <p:nvPicPr>
+          <p:cNvPr id="53" name="Picture 52">
+            <a:extLst>
+              <a:ext uri="{FF2B5EF4-FFF2-40B4-BE49-F238E27FC236}">
+                <a16:creationId xmlns:a16="http://schemas.microsoft.com/office/drawing/2014/main" id="{8F526812-CB2E-FD48-BD9A-560F7CFD9182}"/>
+              </a:ext>
+            </a:extLst>
+          </p:cNvPr>
+          <p:cNvPicPr>
+            <a:picLocks noChangeAspect="1"/>
+          </p:cNvPicPr>
+          <p:nvPr/>
+        </p:nvPicPr>
+        <p:blipFill>
+          <a:blip r:embed="rId4"/>
+          <a:stretch>
+            <a:fillRect/>
+          </a:stretch>
+        </p:blipFill>
+        <p:spPr>
+          <a:xfrm>
+            <a:off x="5394343" y="3484267"/>
+            <a:ext cx="1276436" cy="768302"/>
+          </a:xfrm>
+          <a:prstGeom prst="rect">
+            <a:avLst/>
+          </a:prstGeom>
+        </p:spPr>
+      </p:pic>
+      <p:sp>
+        <p:nvSpPr>
+          <p:cNvPr id="52" name="TextBox 51">
+            <a:extLst>
+              <a:ext uri="{FF2B5EF4-FFF2-40B4-BE49-F238E27FC236}">
+                <a16:creationId xmlns:a16="http://schemas.microsoft.com/office/drawing/2014/main" id="{EA605F44-2D0E-D1C2-4EE3-E71BC9F5B1EC}"/>
+              </a:ext>
+            </a:extLst>
+          </p:cNvPr>
+          <p:cNvSpPr txBox="1"/>
+          <p:nvPr/>
+        </p:nvSpPr>
+        <p:spPr>
+          <a:xfrm>
+            <a:off x="5531776" y="3670832"/>
+            <a:ext cx="1059367" cy="369332"/>
+          </a:xfrm>
+          <a:prstGeom prst="rect">
+            <a:avLst/>
+          </a:prstGeom>
+          <a:noFill/>
+        </p:spPr>
+        <p:txBody>
+          <a:bodyPr wrap="square" rtlCol="0">
+            <a:spAutoFit/>
+          </a:bodyPr>
+          <a:lstStyle/>
+          <a:p>
+            <a:pPr algn="ctr"/>
+            <a:r>
+              <a:rPr lang="hr-BA" dirty="0"/>
+              <a:t>Izvještaji</a:t>
+            </a:r>
+          </a:p>
+        </p:txBody>
+      </p:sp>
+      <p:cxnSp>
+        <p:nvCxnSpPr>
+          <p:cNvPr id="57" name="Straight Connector 56">
+            <a:extLst>
+              <a:ext uri="{FF2B5EF4-FFF2-40B4-BE49-F238E27FC236}">
+                <a16:creationId xmlns:a16="http://schemas.microsoft.com/office/drawing/2014/main" id="{925F77CC-D1B8-59A3-4DC2-B604F501C23E}"/>
+              </a:ext>
+            </a:extLst>
+          </p:cNvPr>
+          <p:cNvCxnSpPr>
+            <a:stCxn id="23" idx="1"/>
+            <a:endCxn id="53" idx="3"/>
+          </p:cNvCxnSpPr>
+          <p:nvPr/>
+        </p:nvCxnSpPr>
+        <p:spPr>
+          <a:xfrm flipH="1" flipV="1">
+            <a:off x="6670779" y="3868418"/>
+            <a:ext cx="1438516" cy="1882663"/>
+          </a:xfrm>
+          <a:prstGeom prst="line">
+            <a:avLst/>
+          </a:prstGeom>
+        </p:spPr>
+        <p:style>
+          <a:lnRef idx="1">
+            <a:schemeClr val="dk1"/>
+          </a:lnRef>
+          <a:fillRef idx="0">
+            <a:schemeClr val="dk1"/>
+          </a:fillRef>
+          <a:effectRef idx="0">
+            <a:schemeClr val="dk1"/>
+          </a:effectRef>
+          <a:fontRef idx="minor">
+            <a:schemeClr val="tx1"/>
+          </a:fontRef>
+        </p:style>
+      </p:cxnSp>
+      <p:cxnSp>
+        <p:nvCxnSpPr>
+          <p:cNvPr id="59" name="Straight Arrow Connector 58">
+            <a:extLst>
+              <a:ext uri="{FF2B5EF4-FFF2-40B4-BE49-F238E27FC236}">
+                <a16:creationId xmlns:a16="http://schemas.microsoft.com/office/drawing/2014/main" id="{E7229E69-3F54-6655-D2EA-077502FC2999}"/>
+              </a:ext>
+            </a:extLst>
+          </p:cNvPr>
+          <p:cNvCxnSpPr>
+            <a:cxnSpLocks/>
+            <a:endCxn id="5" idx="2"/>
+          </p:cNvCxnSpPr>
+          <p:nvPr/>
+        </p:nvCxnSpPr>
+        <p:spPr>
+          <a:xfrm flipH="1" flipV="1">
+            <a:off x="2583366" y="3075586"/>
+            <a:ext cx="2790720" cy="792832"/>
+          </a:xfrm>
+          <a:prstGeom prst="straightConnector1">
+            <a:avLst/>
+          </a:prstGeom>
+          <a:ln>
+            <a:tailEnd type="triangle"/>
+          </a:ln>
+        </p:spPr>
+        <p:style>
+          <a:lnRef idx="1">
+            <a:schemeClr val="dk1"/>
+          </a:lnRef>
+          <a:fillRef idx="0">
+            <a:schemeClr val="dk1"/>
+          </a:fillRef>
+          <a:effectRef idx="0">
+            <a:schemeClr val="dk1"/>
+          </a:effectRef>
+          <a:fontRef idx="minor">
+            <a:schemeClr val="tx1"/>
+          </a:fontRef>
+        </p:style>
+      </p:cxnSp>
+      <p:cxnSp>
+        <p:nvCxnSpPr>
+          <p:cNvPr id="61" name="Straight Arrow Connector 60">
+            <a:extLst>
+              <a:ext uri="{FF2B5EF4-FFF2-40B4-BE49-F238E27FC236}">
+                <a16:creationId xmlns:a16="http://schemas.microsoft.com/office/drawing/2014/main" id="{505BAEE0-5554-6BE5-ADB2-0EAEA41A97BD}"/>
+              </a:ext>
+            </a:extLst>
+          </p:cNvPr>
+          <p:cNvCxnSpPr>
+            <a:cxnSpLocks/>
+            <a:stCxn id="53" idx="1"/>
+            <a:endCxn id="6" idx="2"/>
+          </p:cNvCxnSpPr>
+          <p:nvPr/>
+        </p:nvCxnSpPr>
+        <p:spPr>
+          <a:xfrm flipH="1">
+            <a:off x="2579089" y="3868418"/>
+            <a:ext cx="2815254" cy="828844"/>
+          </a:xfrm>
+          <a:prstGeom prst="straightConnector1">
+            <a:avLst/>
+          </a:prstGeom>
+          <a:ln>
+            <a:tailEnd type="triangle"/>
+          </a:ln>
+        </p:spPr>
+        <p:style>
+          <a:lnRef idx="1">
+            <a:schemeClr val="dk1"/>
+          </a:lnRef>
+          <a:fillRef idx="0">
+            <a:schemeClr val="dk1"/>
+          </a:fillRef>
+          <a:effectRef idx="0">
+            <a:schemeClr val="dk1"/>
+          </a:effectRef>
+          <a:fontRef idx="minor">
+            <a:schemeClr val="tx1"/>
+          </a:fontRef>
+        </p:style>
+      </p:cxnSp>
+      <p:pic>
+        <p:nvPicPr>
+          <p:cNvPr id="65" name="Picture 64">
+            <a:extLst>
+              <a:ext uri="{FF2B5EF4-FFF2-40B4-BE49-F238E27FC236}">
+                <a16:creationId xmlns:a16="http://schemas.microsoft.com/office/drawing/2014/main" id="{AC03E7A7-C81E-08CB-E023-FF4BDC8F04E4}"/>
+              </a:ext>
+            </a:extLst>
+          </p:cNvPr>
+          <p:cNvPicPr>
+            <a:picLocks noChangeAspect="1"/>
+          </p:cNvPicPr>
+          <p:nvPr/>
+        </p:nvPicPr>
+        <p:blipFill>
+          <a:blip r:embed="rId4"/>
+          <a:stretch>
+            <a:fillRect/>
+          </a:stretch>
+        </p:blipFill>
+        <p:spPr>
+          <a:xfrm>
+            <a:off x="5425599" y="4347919"/>
+            <a:ext cx="1276436" cy="768302"/>
+          </a:xfrm>
+          <a:prstGeom prst="rect">
+            <a:avLst/>
+          </a:prstGeom>
+        </p:spPr>
+      </p:pic>
+      <p:sp>
+        <p:nvSpPr>
+          <p:cNvPr id="66" name="TextBox 65">
+            <a:extLst>
+              <a:ext uri="{FF2B5EF4-FFF2-40B4-BE49-F238E27FC236}">
+                <a16:creationId xmlns:a16="http://schemas.microsoft.com/office/drawing/2014/main" id="{26C7373A-E8C1-3218-9961-9C26AB8E9E60}"/>
+              </a:ext>
+            </a:extLst>
+          </p:cNvPr>
+          <p:cNvSpPr txBox="1"/>
+          <p:nvPr/>
+        </p:nvSpPr>
+        <p:spPr>
+          <a:xfrm>
+            <a:off x="5403055" y="4474879"/>
+            <a:ext cx="1322791" cy="640603"/>
+          </a:xfrm>
+          <a:prstGeom prst="rect">
+            <a:avLst/>
+          </a:prstGeom>
+          <a:noFill/>
+        </p:spPr>
+        <p:txBody>
+          <a:bodyPr wrap="square" rtlCol="0">
+            <a:spAutoFit/>
+          </a:bodyPr>
+          <a:lstStyle/>
+          <a:p>
+            <a:pPr algn="ctr"/>
+            <a:r>
+              <a:rPr lang="hr-BA" dirty="0"/>
+              <a:t>Postavljanje oglasa</a:t>
+            </a:r>
+          </a:p>
+        </p:txBody>
+      </p:sp>
+      <p:cxnSp>
+        <p:nvCxnSpPr>
+          <p:cNvPr id="68" name="Straight Connector 67">
+            <a:extLst>
+              <a:ext uri="{FF2B5EF4-FFF2-40B4-BE49-F238E27FC236}">
+                <a16:creationId xmlns:a16="http://schemas.microsoft.com/office/drawing/2014/main" id="{8C416128-FCB4-9032-9AE5-18A11AF323BD}"/>
+              </a:ext>
+            </a:extLst>
+          </p:cNvPr>
+          <p:cNvCxnSpPr>
+            <a:cxnSpLocks/>
+            <a:stCxn id="6" idx="3"/>
+            <a:endCxn id="65" idx="1"/>
+          </p:cNvCxnSpPr>
+          <p:nvPr/>
+        </p:nvCxnSpPr>
+        <p:spPr>
+          <a:xfrm>
+            <a:off x="2832095" y="4291843"/>
+            <a:ext cx="2593504" cy="440227"/>
+          </a:xfrm>
+          <a:prstGeom prst="line">
+            <a:avLst/>
+          </a:prstGeom>
+        </p:spPr>
+        <p:style>
+          <a:lnRef idx="1">
+            <a:schemeClr val="dk1"/>
+          </a:lnRef>
+          <a:fillRef idx="0">
+            <a:schemeClr val="dk1"/>
+          </a:fillRef>
+          <a:effectRef idx="0">
+            <a:schemeClr val="dk1"/>
+          </a:effectRef>
+          <a:fontRef idx="minor">
+            <a:schemeClr val="tx1"/>
+          </a:fontRef>
+        </p:style>
+      </p:cxnSp>
+      <p:cxnSp>
+        <p:nvCxnSpPr>
+          <p:cNvPr id="70" name="Straight Connector 69">
+            <a:extLst>
+              <a:ext uri="{FF2B5EF4-FFF2-40B4-BE49-F238E27FC236}">
+                <a16:creationId xmlns:a16="http://schemas.microsoft.com/office/drawing/2014/main" id="{371BCD2C-8ECE-E831-696A-92FAEC7FD311}"/>
+              </a:ext>
+            </a:extLst>
+          </p:cNvPr>
+          <p:cNvCxnSpPr>
+            <a:cxnSpLocks/>
+            <a:stCxn id="65" idx="3"/>
+            <a:endCxn id="23" idx="1"/>
+          </p:cNvCxnSpPr>
+          <p:nvPr/>
+        </p:nvCxnSpPr>
+        <p:spPr>
+          <a:xfrm>
+            <a:off x="6702035" y="4732070"/>
+            <a:ext cx="1407260" cy="1019011"/>
+          </a:xfrm>
+          <a:prstGeom prst="line">
+            <a:avLst/>
+          </a:prstGeom>
+        </p:spPr>
+        <p:style>
+          <a:lnRef idx="1">
+            <a:schemeClr val="dk1"/>
+          </a:lnRef>
+          <a:fillRef idx="0">
+            <a:schemeClr val="dk1"/>
+          </a:fillRef>
+          <a:effectRef idx="0">
+            <a:schemeClr val="dk1"/>
+          </a:effectRef>
+          <a:fontRef idx="minor">
+            <a:schemeClr val="tx1"/>
+          </a:fontRef>
+        </p:style>
+      </p:cxnSp>
+      <p:pic>
+        <p:nvPicPr>
+          <p:cNvPr id="80" name="Picture 79">
+            <a:extLst>
+              <a:ext uri="{FF2B5EF4-FFF2-40B4-BE49-F238E27FC236}">
+                <a16:creationId xmlns:a16="http://schemas.microsoft.com/office/drawing/2014/main" id="{5D228695-7FAF-6AB7-48D7-8AE8CC97E986}"/>
+              </a:ext>
+            </a:extLst>
+          </p:cNvPr>
+          <p:cNvPicPr>
+            <a:picLocks noChangeAspect="1"/>
+          </p:cNvPicPr>
+          <p:nvPr/>
+        </p:nvPicPr>
+        <p:blipFill>
+          <a:blip r:embed="rId4"/>
+          <a:stretch>
+            <a:fillRect/>
+          </a:stretch>
+        </p:blipFill>
+        <p:spPr>
+          <a:xfrm>
+            <a:off x="5416763" y="5254554"/>
+            <a:ext cx="1276436" cy="768302"/>
+          </a:xfrm>
+          <a:prstGeom prst="rect">
+            <a:avLst/>
+          </a:prstGeom>
+        </p:spPr>
+      </p:pic>
+      <p:sp>
+        <p:nvSpPr>
+          <p:cNvPr id="81" name="TextBox 80">
+            <a:extLst>
+              <a:ext uri="{FF2B5EF4-FFF2-40B4-BE49-F238E27FC236}">
+                <a16:creationId xmlns:a16="http://schemas.microsoft.com/office/drawing/2014/main" id="{FEC95D56-29E9-D16F-A908-6A5A20E355EC}"/>
+              </a:ext>
+            </a:extLst>
+          </p:cNvPr>
+          <p:cNvSpPr txBox="1"/>
+          <p:nvPr/>
+        </p:nvSpPr>
+        <p:spPr>
+          <a:xfrm>
+            <a:off x="5550146" y="5454039"/>
+            <a:ext cx="1059367" cy="369332"/>
+          </a:xfrm>
+          <a:prstGeom prst="rect">
+            <a:avLst/>
+          </a:prstGeom>
+          <a:noFill/>
+        </p:spPr>
+        <p:txBody>
+          <a:bodyPr wrap="square" rtlCol="0">
+            <a:spAutoFit/>
+          </a:bodyPr>
+          <a:lstStyle/>
+          <a:p>
+            <a:pPr algn="ctr"/>
+            <a:r>
+              <a:rPr lang="hr-BA" dirty="0"/>
+              <a:t>Plaćanje</a:t>
+            </a:r>
+          </a:p>
+        </p:txBody>
+      </p:sp>
+      <p:cxnSp>
+        <p:nvCxnSpPr>
+          <p:cNvPr id="83" name="Straight Connector 82">
+            <a:extLst>
+              <a:ext uri="{FF2B5EF4-FFF2-40B4-BE49-F238E27FC236}">
+                <a16:creationId xmlns:a16="http://schemas.microsoft.com/office/drawing/2014/main" id="{7838B8C2-20E1-370B-1642-8659BE75AC0D}"/>
+              </a:ext>
+            </a:extLst>
+          </p:cNvPr>
+          <p:cNvCxnSpPr>
+            <a:stCxn id="5" idx="3"/>
+            <a:endCxn id="80" idx="1"/>
+          </p:cNvCxnSpPr>
+          <p:nvPr/>
+        </p:nvCxnSpPr>
+        <p:spPr>
+          <a:xfrm>
+            <a:off x="2835813" y="2670717"/>
+            <a:ext cx="2580950" cy="2967988"/>
           </a:xfrm>
           <a:prstGeom prst="line">
             <a:avLst/>
